--- a/Presentations/Module 2.pptx
+++ b/Presentations/Module 2.pptx
@@ -115,6 +115,11 @@
       </a:defRPr>
     </a:lvl9pPr>
   </p:defaultTextStyle>
+  <p:extLst>
+    <p:ext uri="{EFAFB233-063F-42B5-8137-9DF3F51BA10A}">
+      <p15:sldGuideLst xmlns:p15="http://schemas.microsoft.com/office/powerpoint/2012/main"/>
+    </p:ext>
+  </p:extLst>
 </p:presentation>
 </file>
 
@@ -131,7 +136,7 @@
   <pc:docChgLst>
     <pc:chgData name="Sreejith Rajan" userId="ec11bca0e4bee75f" providerId="LiveId" clId="{7B4F392D-EAB3-4CE7-903E-F84869825F47}"/>
     <pc:docChg chg="undo custSel addSld modSld sldOrd">
-      <pc:chgData name="Sreejith Rajan" userId="ec11bca0e4bee75f" providerId="LiveId" clId="{7B4F392D-EAB3-4CE7-903E-F84869825F47}" dt="2026-02-02T03:27:13.268" v="545"/>
+      <pc:chgData name="Sreejith Rajan" userId="ec11bca0e4bee75f" providerId="LiveId" clId="{7B4F392D-EAB3-4CE7-903E-F84869825F47}" dt="2026-02-03T04:19:09.956" v="580" actId="1076"/>
       <pc:docMkLst>
         <pc:docMk/>
       </pc:docMkLst>
@@ -195,22 +200,6 @@
             <ac:spMk id="2" creationId="{756BFDCB-36DF-5B36-4635-E7B64E5BAC6A}"/>
           </ac:spMkLst>
         </pc:spChg>
-        <pc:spChg chg="del mod">
-          <ac:chgData name="Sreejith Rajan" userId="ec11bca0e4bee75f" providerId="LiveId" clId="{7B4F392D-EAB3-4CE7-903E-F84869825F47}" dt="2026-02-01T19:32:07.649" v="150" actId="931"/>
-          <ac:spMkLst>
-            <pc:docMk/>
-            <pc:sldMk cId="3661447551" sldId="258"/>
-            <ac:spMk id="3" creationId="{8646DD16-3819-EC49-5C83-3A62CD9AF934}"/>
-          </ac:spMkLst>
-        </pc:spChg>
-        <pc:spChg chg="add del mod">
-          <ac:chgData name="Sreejith Rajan" userId="ec11bca0e4bee75f" providerId="LiveId" clId="{7B4F392D-EAB3-4CE7-903E-F84869825F47}" dt="2026-02-01T19:49:41.906" v="226" actId="22"/>
-          <ac:spMkLst>
-            <pc:docMk/>
-            <pc:sldMk cId="3661447551" sldId="258"/>
-            <ac:spMk id="7" creationId="{7854B2A2-A5A6-9048-2486-F6ABCD0C41B6}"/>
-          </ac:spMkLst>
-        </pc:spChg>
         <pc:spChg chg="add mod">
           <ac:chgData name="Sreejith Rajan" userId="ec11bca0e4bee75f" providerId="LiveId" clId="{7B4F392D-EAB3-4CE7-903E-F84869825F47}" dt="2026-02-02T03:14:42.752" v="510" actId="1076"/>
           <ac:spMkLst>
@@ -252,59 +241,43 @@
         </pc:spChg>
       </pc:sldChg>
       <pc:sldChg chg="addSp delSp modSp new mod">
-        <pc:chgData name="Sreejith Rajan" userId="ec11bca0e4bee75f" providerId="LiveId" clId="{7B4F392D-EAB3-4CE7-903E-F84869825F47}" dt="2026-02-02T03:14:01.177" v="503"/>
+        <pc:chgData name="Sreejith Rajan" userId="ec11bca0e4bee75f" providerId="LiveId" clId="{7B4F392D-EAB3-4CE7-903E-F84869825F47}" dt="2026-02-03T04:19:09.956" v="580" actId="1076"/>
         <pc:sldMkLst>
           <pc:docMk/>
           <pc:sldMk cId="3690446718" sldId="260"/>
         </pc:sldMkLst>
         <pc:spChg chg="mod">
-          <ac:chgData name="Sreejith Rajan" userId="ec11bca0e4bee75f" providerId="LiveId" clId="{7B4F392D-EAB3-4CE7-903E-F84869825F47}" dt="2026-02-02T03:14:01.177" v="503"/>
+          <ac:chgData name="Sreejith Rajan" userId="ec11bca0e4bee75f" providerId="LiveId" clId="{7B4F392D-EAB3-4CE7-903E-F84869825F47}" dt="2026-02-03T04:18:40.294" v="575" actId="1076"/>
           <ac:spMkLst>
             <pc:docMk/>
             <pc:sldMk cId="3690446718" sldId="260"/>
             <ac:spMk id="2" creationId="{C6D0CF8C-9382-0C19-72D8-8B33A2825F05}"/>
           </ac:spMkLst>
         </pc:spChg>
-        <pc:spChg chg="del mod">
-          <ac:chgData name="Sreejith Rajan" userId="ec11bca0e4bee75f" providerId="LiveId" clId="{7B4F392D-EAB3-4CE7-903E-F84869825F47}" dt="2026-02-01T19:56:20.821" v="321"/>
-          <ac:spMkLst>
-            <pc:docMk/>
-            <pc:sldMk cId="3690446718" sldId="260"/>
-            <ac:spMk id="3" creationId="{7FACF48C-3396-7C39-7995-45A1DABD65C5}"/>
-          </ac:spMkLst>
-        </pc:spChg>
         <pc:spChg chg="add mod">
-          <ac:chgData name="Sreejith Rajan" userId="ec11bca0e4bee75f" providerId="LiveId" clId="{7B4F392D-EAB3-4CE7-903E-F84869825F47}" dt="2026-02-01T19:59:01.211" v="358" actId="5793"/>
+          <ac:chgData name="Sreejith Rajan" userId="ec11bca0e4bee75f" providerId="LiveId" clId="{7B4F392D-EAB3-4CE7-903E-F84869825F47}" dt="2026-02-03T04:15:38.764" v="552" actId="20577"/>
           <ac:spMkLst>
             <pc:docMk/>
             <pc:sldMk cId="3690446718" sldId="260"/>
             <ac:spMk id="6" creationId="{451FE0AF-9FCA-F59C-B5DF-995B31B24264}"/>
           </ac:spMkLst>
         </pc:spChg>
-        <pc:spChg chg="add del mod">
-          <ac:chgData name="Sreejith Rajan" userId="ec11bca0e4bee75f" providerId="LiveId" clId="{7B4F392D-EAB3-4CE7-903E-F84869825F47}" dt="2026-02-01T20:01:11.383" v="416" actId="478"/>
-          <ac:spMkLst>
-            <pc:docMk/>
-            <pc:sldMk cId="3690446718" sldId="260"/>
-            <ac:spMk id="8" creationId="{CA6507B6-CE1E-CD0C-B4BD-0759B36689D8}"/>
-          </ac:spMkLst>
-        </pc:spChg>
         <pc:graphicFrameChg chg="add del mod modGraphic">
-          <ac:chgData name="Sreejith Rajan" userId="ec11bca0e4bee75f" providerId="LiveId" clId="{7B4F392D-EAB3-4CE7-903E-F84869825F47}" dt="2026-02-01T20:01:39.063" v="424" actId="20577"/>
+          <ac:chgData name="Sreejith Rajan" userId="ec11bca0e4bee75f" providerId="LiveId" clId="{7B4F392D-EAB3-4CE7-903E-F84869825F47}" dt="2026-02-03T04:16:41.436" v="572" actId="20577"/>
           <ac:graphicFrameMkLst>
             <pc:docMk/>
             <pc:sldMk cId="3690446718" sldId="260"/>
             <ac:graphicFrameMk id="4" creationId="{5B4E6712-E21C-4E14-7255-68108A77842E}"/>
           </ac:graphicFrameMkLst>
         </pc:graphicFrameChg>
-        <pc:graphicFrameChg chg="add mod">
-          <ac:chgData name="Sreejith Rajan" userId="ec11bca0e4bee75f" providerId="LiveId" clId="{7B4F392D-EAB3-4CE7-903E-F84869825F47}" dt="2026-02-01T20:01:10.593" v="415"/>
-          <ac:graphicFrameMkLst>
+        <pc:picChg chg="add mod modCrop">
+          <ac:chgData name="Sreejith Rajan" userId="ec11bca0e4bee75f" providerId="LiveId" clId="{7B4F392D-EAB3-4CE7-903E-F84869825F47}" dt="2026-02-03T04:19:09.956" v="580" actId="1076"/>
+          <ac:picMkLst>
             <pc:docMk/>
             <pc:sldMk cId="3690446718" sldId="260"/>
-            <ac:graphicFrameMk id="9" creationId="{9E13202C-B668-2FDD-0979-1F1851F70346}"/>
-          </ac:graphicFrameMkLst>
-        </pc:graphicFrameChg>
+            <ac:picMk id="5" creationId="{AC345AEC-B09C-90D7-B219-5A1C07FC2BBE}"/>
+          </ac:picMkLst>
+        </pc:picChg>
       </pc:sldChg>
       <pc:sldChg chg="addSp delSp modSp add mod ord">
         <pc:chgData name="Sreejith Rajan" userId="ec11bca0e4bee75f" providerId="LiveId" clId="{7B4F392D-EAB3-4CE7-903E-F84869825F47}" dt="2026-02-02T03:15:38.852" v="513" actId="1076"/>
@@ -328,17 +301,9 @@
             <ac:spMk id="5" creationId="{6DA6CC95-9B95-0E57-7698-0D2E722E9A6A}"/>
           </ac:spMkLst>
         </pc:spChg>
-        <pc:spChg chg="del mod">
-          <ac:chgData name="Sreejith Rajan" userId="ec11bca0e4bee75f" providerId="LiveId" clId="{7B4F392D-EAB3-4CE7-903E-F84869825F47}" dt="2026-02-01T19:59:44.001" v="398" actId="478"/>
-          <ac:spMkLst>
-            <pc:docMk/>
-            <pc:sldMk cId="2356853513" sldId="261"/>
-            <ac:spMk id="6" creationId="{E8518028-5F0A-8DF5-A4D0-F12F5BE4AB58}"/>
-          </ac:spMkLst>
-        </pc:spChg>
       </pc:sldChg>
       <pc:sldChg chg="addSp delSp modSp add mod">
-        <pc:chgData name="Sreejith Rajan" userId="ec11bca0e4bee75f" providerId="LiveId" clId="{7B4F392D-EAB3-4CE7-903E-F84869825F47}" dt="2026-02-02T03:14:01.177" v="503"/>
+        <pc:chgData name="Sreejith Rajan" userId="ec11bca0e4bee75f" providerId="LiveId" clId="{7B4F392D-EAB3-4CE7-903E-F84869825F47}" dt="2026-02-03T04:18:27.032" v="573" actId="1076"/>
         <pc:sldMkLst>
           <pc:docMk/>
           <pc:sldMk cId="540216883" sldId="262"/>
@@ -359,16 +324,8 @@
             <ac:spMk id="5" creationId="{B29E3A62-9D7B-C030-569A-4C57A72BE407}"/>
           </ac:spMkLst>
         </pc:spChg>
-        <pc:spChg chg="del">
-          <ac:chgData name="Sreejith Rajan" userId="ec11bca0e4bee75f" providerId="LiveId" clId="{7B4F392D-EAB3-4CE7-903E-F84869825F47}" dt="2026-02-01T20:03:14.534" v="433" actId="478"/>
-          <ac:spMkLst>
-            <pc:docMk/>
-            <pc:sldMk cId="540216883" sldId="262"/>
-            <ac:spMk id="6" creationId="{781A312A-03B4-24F0-0CED-ACFDA6358FC0}"/>
-          </ac:spMkLst>
-        </pc:spChg>
         <pc:graphicFrameChg chg="mod modGraphic">
-          <ac:chgData name="Sreejith Rajan" userId="ec11bca0e4bee75f" providerId="LiveId" clId="{7B4F392D-EAB3-4CE7-903E-F84869825F47}" dt="2026-02-01T20:05:22.046" v="452" actId="1076"/>
+          <ac:chgData name="Sreejith Rajan" userId="ec11bca0e4bee75f" providerId="LiveId" clId="{7B4F392D-EAB3-4CE7-903E-F84869825F47}" dt="2026-02-03T04:18:27.032" v="573" actId="1076"/>
           <ac:graphicFrameMkLst>
             <pc:docMk/>
             <pc:sldMk cId="540216883" sldId="262"/>
@@ -541,7 +498,7 @@
           <a:p>
             <a:fld id="{3CAE00EF-CD69-4850-ACCB-29501268C955}" type="datetimeFigureOut">
               <a:rPr lang="en-IN" smtClean="0"/>
-              <a:t>02-02-2026</a:t>
+              <a:t>03-02-2026</a:t>
             </a:fld>
             <a:endParaRPr lang="en-IN"/>
           </a:p>
@@ -1032,7 +989,7 @@
           <a:p>
             <a:fld id="{B4A46FAF-DF1E-4AE8-928A-465CBC50624C}" type="datetimeFigureOut">
               <a:rPr lang="en-IN" smtClean="0"/>
-              <a:t>02-02-2026</a:t>
+              <a:t>03-02-2026</a:t>
             </a:fld>
             <a:endParaRPr lang="en-IN"/>
           </a:p>
@@ -1243,7 +1200,7 @@
           <a:p>
             <a:fld id="{B4A46FAF-DF1E-4AE8-928A-465CBC50624C}" type="datetimeFigureOut">
               <a:rPr lang="en-IN" smtClean="0"/>
-              <a:t>02-02-2026</a:t>
+              <a:t>03-02-2026</a:t>
             </a:fld>
             <a:endParaRPr lang="en-IN"/>
           </a:p>
@@ -1458,7 +1415,7 @@
           <a:p>
             <a:fld id="{B4A46FAF-DF1E-4AE8-928A-465CBC50624C}" type="datetimeFigureOut">
               <a:rPr lang="en-IN" smtClean="0"/>
-              <a:t>02-02-2026</a:t>
+              <a:t>03-02-2026</a:t>
             </a:fld>
             <a:endParaRPr lang="en-IN"/>
           </a:p>
@@ -1659,7 +1616,7 @@
           <a:p>
             <a:fld id="{B4A46FAF-DF1E-4AE8-928A-465CBC50624C}" type="datetimeFigureOut">
               <a:rPr lang="en-IN" smtClean="0"/>
-              <a:t>02-02-2026</a:t>
+              <a:t>03-02-2026</a:t>
             </a:fld>
             <a:endParaRPr lang="en-IN"/>
           </a:p>
@@ -1938,7 +1895,7 @@
           <a:p>
             <a:fld id="{B4A46FAF-DF1E-4AE8-928A-465CBC50624C}" type="datetimeFigureOut">
               <a:rPr lang="en-IN" smtClean="0"/>
-              <a:t>02-02-2026</a:t>
+              <a:t>03-02-2026</a:t>
             </a:fld>
             <a:endParaRPr lang="en-IN"/>
           </a:p>
@@ -2206,7 +2163,7 @@
           <a:p>
             <a:fld id="{B4A46FAF-DF1E-4AE8-928A-465CBC50624C}" type="datetimeFigureOut">
               <a:rPr lang="en-IN" smtClean="0"/>
-              <a:t>02-02-2026</a:t>
+              <a:t>03-02-2026</a:t>
             </a:fld>
             <a:endParaRPr lang="en-IN"/>
           </a:p>
@@ -2622,7 +2579,7 @@
           <a:p>
             <a:fld id="{B4A46FAF-DF1E-4AE8-928A-465CBC50624C}" type="datetimeFigureOut">
               <a:rPr lang="en-IN" smtClean="0"/>
-              <a:t>02-02-2026</a:t>
+              <a:t>03-02-2026</a:t>
             </a:fld>
             <a:endParaRPr lang="en-IN"/>
           </a:p>
@@ -2771,7 +2728,7 @@
           <a:p>
             <a:fld id="{B4A46FAF-DF1E-4AE8-928A-465CBC50624C}" type="datetimeFigureOut">
               <a:rPr lang="en-IN" smtClean="0"/>
-              <a:t>02-02-2026</a:t>
+              <a:t>03-02-2026</a:t>
             </a:fld>
             <a:endParaRPr lang="en-IN"/>
           </a:p>
@@ -2897,7 +2854,7 @@
           <a:p>
             <a:fld id="{B4A46FAF-DF1E-4AE8-928A-465CBC50624C}" type="datetimeFigureOut">
               <a:rPr lang="en-IN" smtClean="0"/>
-              <a:t>02-02-2026</a:t>
+              <a:t>03-02-2026</a:t>
             </a:fld>
             <a:endParaRPr lang="en-IN"/>
           </a:p>
@@ -3148,7 +3105,7 @@
           <a:p>
             <a:fld id="{B4A46FAF-DF1E-4AE8-928A-465CBC50624C}" type="datetimeFigureOut">
               <a:rPr lang="en-IN" smtClean="0"/>
-              <a:t>02-02-2026</a:t>
+              <a:t>03-02-2026</a:t>
             </a:fld>
             <a:endParaRPr lang="en-IN"/>
           </a:p>
@@ -3593,7 +3550,7 @@
           <a:p>
             <a:fld id="{B4A46FAF-DF1E-4AE8-928A-465CBC50624C}" type="datetimeFigureOut">
               <a:rPr lang="en-IN" smtClean="0"/>
-              <a:t>02-02-2026</a:t>
+              <a:t>03-02-2026</a:t>
             </a:fld>
             <a:endParaRPr lang="en-IN"/>
           </a:p>
@@ -3920,7 +3877,7 @@
           <a:p>
             <a:fld id="{B4A46FAF-DF1E-4AE8-928A-465CBC50624C}" type="datetimeFigureOut">
               <a:rPr lang="en-IN" smtClean="0"/>
-              <a:t>02-02-2026</a:t>
+              <a:t>03-02-2026</a:t>
             </a:fld>
             <a:endParaRPr lang="en-IN"/>
           </a:p>
@@ -4701,8 +4658,8 @@
           </a:prstGeom>
         </p:spPr>
       </p:pic>
-      <mc:AlternateContent xmlns:mc="http://schemas.openxmlformats.org/markup-compatibility/2006">
-        <mc:Choice xmlns:a14="http://schemas.microsoft.com/office/drawing/2010/main" Requires="a14">
+      <mc:AlternateContent xmlns:mc="http://schemas.openxmlformats.org/markup-compatibility/2006" xmlns:a14="http://schemas.microsoft.com/office/drawing/2010/main">
+        <mc:Choice Requires="a14">
           <p:sp>
             <p:nvSpPr>
               <p:cNvPr id="9" name="TextBox 8">
@@ -4961,7 +4918,7 @@
             </p:txBody>
           </p:sp>
         </mc:Choice>
-        <mc:Fallback>
+        <mc:Fallback xmlns="">
           <p:sp>
             <p:nvSpPr>
               <p:cNvPr id="9" name="TextBox 8">
@@ -5693,8 +5650,8 @@
           </a:graphicData>
         </a:graphic>
       </p:graphicFrame>
-      <mc:AlternateContent xmlns:mc="http://schemas.openxmlformats.org/markup-compatibility/2006">
-        <mc:Choice xmlns:a14="http://schemas.microsoft.com/office/drawing/2010/main" Requires="a14">
+      <mc:AlternateContent xmlns:mc="http://schemas.openxmlformats.org/markup-compatibility/2006" xmlns:a14="http://schemas.microsoft.com/office/drawing/2010/main">
+        <mc:Choice Requires="a14">
           <p:sp>
             <p:nvSpPr>
               <p:cNvPr id="5" name="TextBox 4">
@@ -5755,6 +5712,7 @@
                 </a:r>
               </a:p>
               <a:p>
+                <a:pPr/>
                 <a14:m>
                   <m:oMathPara xmlns:m="http://schemas.openxmlformats.org/officeDocument/2006/math">
                     <m:oMathParaPr>
@@ -5856,6 +5814,7 @@
                 <a:endParaRPr lang="ar-AE" dirty="0"/>
               </a:p>
               <a:p>
+                <a:pPr/>
                 <a14:m>
                   <m:oMathPara xmlns:m="http://schemas.openxmlformats.org/officeDocument/2006/math">
                     <m:oMathParaPr>
@@ -5888,7 +5847,7 @@
             </p:txBody>
           </p:sp>
         </mc:Choice>
-        <mc:Fallback>
+        <mc:Fallback xmlns="">
           <p:sp>
             <p:nvSpPr>
               <p:cNvPr id="5" name="TextBox 4">
@@ -6007,7 +5966,7 @@
             <p:ph idx="1"/>
             <p:extLst>
               <p:ext uri="{D42A27DB-BD31-4B8C-83A1-F6EECF244321}">
-                <p14:modId xmlns:p14="http://schemas.microsoft.com/office/powerpoint/2010/main" val="3887556970"/>
+                <p14:modId xmlns:p14="http://schemas.microsoft.com/office/powerpoint/2010/main" val="2193963102"/>
               </p:ext>
             </p:extLst>
           </p:nvPr>
@@ -6455,7 +6414,7 @@
                 </a:pPr>
                 <a:r>
                   <a:rPr lang="en-IN" dirty="0"/>
-                  <a:t>Output = 1 </a:t>
+                  <a:t>Output = 1  </a:t>
                 </a:r>
                 <a:r>
                   <a:rPr lang="en-IN" b="1" dirty="0"/>
@@ -6577,6 +6536,7 @@
                 <a:endParaRPr lang="ar-AE" dirty="0"/>
               </a:p>
               <a:p>
+                <a:pPr/>
                 <a14:m>
                   <m:oMathPara xmlns:m="http://schemas.openxmlformats.org/officeDocument/2006/math">
                     <m:oMathParaPr>
@@ -6654,6 +6614,43 @@
           </p:sp>
         </mc:Fallback>
       </mc:AlternateContent>
+      <p:pic>
+        <p:nvPicPr>
+          <p:cNvPr id="5" name="Picture 4">
+            <a:extLst>
+              <a:ext uri="{FF2B5EF4-FFF2-40B4-BE49-F238E27FC236}">
+                <a16:creationId xmlns:a16="http://schemas.microsoft.com/office/drawing/2014/main" id="{AC345AEC-B09C-90D7-B219-5A1C07FC2BBE}"/>
+              </a:ext>
+            </a:extLst>
+          </p:cNvPr>
+          <p:cNvPicPr>
+            <a:picLocks noChangeAspect="1"/>
+          </p:cNvPicPr>
+          <p:nvPr/>
+        </p:nvPicPr>
+        <p:blipFill>
+          <a:blip r:embed="rId3">
+            <a:extLst>
+              <a:ext uri="{28A0092B-C50C-407E-A947-70E740481C1C}">
+                <a14:useLocalDpi xmlns:a14="http://schemas.microsoft.com/office/drawing/2010/main" val="0"/>
+              </a:ext>
+            </a:extLst>
+          </a:blip>
+          <a:srcRect b="13116"/>
+          <a:stretch>
+            <a:fillRect/>
+          </a:stretch>
+        </p:blipFill>
+        <p:spPr>
+          <a:xfrm>
+            <a:off x="7620406" y="730197"/>
+            <a:ext cx="4131326" cy="2979235"/>
+          </a:xfrm>
+          <a:prstGeom prst="rect">
+            <a:avLst/>
+          </a:prstGeom>
+        </p:spPr>
+      </p:pic>
     </p:spTree>
     <p:extLst>
       <p:ext uri="{BB962C8B-B14F-4D97-AF65-F5344CB8AC3E}">
@@ -6712,8 +6709,8 @@
           </a:p>
         </p:txBody>
       </p:sp>
-      <mc:AlternateContent xmlns:mc="http://schemas.openxmlformats.org/markup-compatibility/2006">
-        <mc:Choice xmlns:a14="http://schemas.microsoft.com/office/drawing/2010/main" Requires="a14">
+      <mc:AlternateContent xmlns:mc="http://schemas.openxmlformats.org/markup-compatibility/2006" xmlns:a14="http://schemas.microsoft.com/office/drawing/2010/main">
+        <mc:Choice Requires="a14">
           <p:sp>
             <p:nvSpPr>
               <p:cNvPr id="5" name="Content Placeholder 4">
@@ -6833,7 +6830,7 @@
             </p:txBody>
           </p:sp>
         </mc:Choice>
-        <mc:Fallback>
+        <mc:Fallback xmlns="">
           <p:sp>
             <p:nvSpPr>
               <p:cNvPr id="5" name="Content Placeholder 4">
@@ -7170,13 +7167,13 @@
             <p:ph idx="1"/>
             <p:extLst>
               <p:ext uri="{D42A27DB-BD31-4B8C-83A1-F6EECF244321}">
-                <p14:modId xmlns:p14="http://schemas.microsoft.com/office/powerpoint/2010/main" val="1998829687"/>
+                <p14:modId xmlns:p14="http://schemas.microsoft.com/office/powerpoint/2010/main" val="1400480225"/>
               </p:ext>
             </p:extLst>
           </p:nvPr>
         </p:nvGraphicFramePr>
         <p:xfrm>
-          <a:off x="1303866" y="3429000"/>
+          <a:off x="1066800" y="4089847"/>
           <a:ext cx="10515600" cy="1828800"/>
         </p:xfrm>
         <a:graphic>
@@ -7241,7 +7238,7 @@
                         <a:buNone/>
                       </a:pPr>
                       <a:r>
-                        <a:rPr lang="en-IN"/>
+                        <a:rPr lang="en-IN" dirty="0"/>
                         <a:t>x₂</a:t>
                       </a:r>
                     </a:p>
@@ -7574,8 +7571,8 @@
           </a:graphicData>
         </a:graphic>
       </p:graphicFrame>
-      <mc:AlternateContent xmlns:mc="http://schemas.openxmlformats.org/markup-compatibility/2006">
-        <mc:Choice xmlns:a14="http://schemas.microsoft.com/office/drawing/2010/main" Requires="a14">
+      <mc:AlternateContent xmlns:mc="http://schemas.openxmlformats.org/markup-compatibility/2006" xmlns:a14="http://schemas.microsoft.com/office/drawing/2010/main">
+        <mc:Choice Requires="a14">
           <p:sp>
             <p:nvSpPr>
               <p:cNvPr id="5" name="TextBox 4">
@@ -7631,6 +7628,7 @@
                 </a:r>
               </a:p>
               <a:p>
+                <a:pPr/>
                 <a14:m>
                   <m:oMathPara xmlns:m="http://schemas.openxmlformats.org/officeDocument/2006/math">
                     <m:oMathParaPr>
@@ -7732,6 +7730,7 @@
                 <a:endParaRPr lang="ar-AE" dirty="0"/>
               </a:p>
               <a:p>
+                <a:pPr/>
                 <a14:m>
                   <m:oMathPara xmlns:m="http://schemas.openxmlformats.org/officeDocument/2006/math">
                     <m:oMathParaPr>
@@ -7764,7 +7763,7 @@
             </p:txBody>
           </p:sp>
         </mc:Choice>
-        <mc:Fallback>
+        <mc:Fallback xmlns="">
           <p:sp>
             <p:nvSpPr>
               <p:cNvPr id="5" name="TextBox 4">

--- a/Presentations/Module 2.pptx
+++ b/Presentations/Module 2.pptx
@@ -126,7 +126,7 @@
 <file path=ppt/revisionInfo.xml><?xml version="1.0" encoding="utf-8"?>
 <p1510:revInfo xmlns:a="http://schemas.openxmlformats.org/drawingml/2006/main" xmlns:r="http://schemas.openxmlformats.org/officeDocument/2006/relationships" xmlns:p1510="http://schemas.microsoft.com/office/powerpoint/2015/10/main">
   <p1510:revLst>
-    <p1510:client id="{D2B46EC1-EB21-4C15-97B2-3568AED31981}" v="82" dt="2026-02-02T03:14:01.177"/>
+    <p1510:client id="{D2B46EC1-EB21-4C15-97B2-3568AED31981}" v="122" dt="2026-02-03T08:57:30.799"/>
   </p1510:revLst>
 </p1510:revInfo>
 </file>
@@ -136,7 +136,7 @@
   <pc:docChgLst>
     <pc:chgData name="Sreejith Rajan" userId="ec11bca0e4bee75f" providerId="LiveId" clId="{7B4F392D-EAB3-4CE7-903E-F84869825F47}"/>
     <pc:docChg chg="undo custSel addSld modSld sldOrd">
-      <pc:chgData name="Sreejith Rajan" userId="ec11bca0e4bee75f" providerId="LiveId" clId="{7B4F392D-EAB3-4CE7-903E-F84869825F47}" dt="2026-02-03T04:19:09.956" v="580" actId="1076"/>
+      <pc:chgData name="Sreejith Rajan" userId="ec11bca0e4bee75f" providerId="LiveId" clId="{7B4F392D-EAB3-4CE7-903E-F84869825F47}" dt="2026-02-03T08:57:30.799" v="626" actId="20577"/>
       <pc:docMkLst>
         <pc:docMk/>
       </pc:docMkLst>
@@ -334,7 +334,7 @@
         </pc:graphicFrameChg>
       </pc:sldChg>
       <pc:sldChg chg="addSp delSp modSp new mod">
-        <pc:chgData name="Sreejith Rajan" userId="ec11bca0e4bee75f" providerId="LiveId" clId="{7B4F392D-EAB3-4CE7-903E-F84869825F47}" dt="2026-02-02T03:14:01.177" v="503"/>
+        <pc:chgData name="Sreejith Rajan" userId="ec11bca0e4bee75f" providerId="LiveId" clId="{7B4F392D-EAB3-4CE7-903E-F84869825F47}" dt="2026-02-03T08:57:30.799" v="626" actId="20577"/>
         <pc:sldMkLst>
           <pc:docMk/>
           <pc:sldMk cId="526822190" sldId="263"/>
@@ -364,7 +364,7 @@
           </ac:spMkLst>
         </pc:spChg>
         <pc:spChg chg="add mod">
-          <ac:chgData name="Sreejith Rajan" userId="ec11bca0e4bee75f" providerId="LiveId" clId="{7B4F392D-EAB3-4CE7-903E-F84869825F47}" dt="2026-02-02T03:13:27.595" v="499" actId="20577"/>
+          <ac:chgData name="Sreejith Rajan" userId="ec11bca0e4bee75f" providerId="LiveId" clId="{7B4F392D-EAB3-4CE7-903E-F84869825F47}" dt="2026-02-03T08:57:30.799" v="626" actId="20577"/>
           <ac:spMkLst>
             <pc:docMk/>
             <pc:sldMk cId="526822190" sldId="263"/>
@@ -372,7 +372,7 @@
           </ac:spMkLst>
         </pc:spChg>
         <pc:graphicFrameChg chg="add mod modGraphic">
-          <ac:chgData name="Sreejith Rajan" userId="ec11bca0e4bee75f" providerId="LiveId" clId="{7B4F392D-EAB3-4CE7-903E-F84869825F47}" dt="2026-02-02T03:13:16.086" v="492" actId="20577"/>
+          <ac:chgData name="Sreejith Rajan" userId="ec11bca0e4bee75f" providerId="LiveId" clId="{7B4F392D-EAB3-4CE7-903E-F84869825F47}" dt="2026-02-03T08:57:24.629" v="624" actId="20577"/>
           <ac:graphicFrameMkLst>
             <pc:docMk/>
             <pc:sldMk cId="526822190" sldId="263"/>
@@ -6370,8 +6370,8 @@
           </a:graphicData>
         </a:graphic>
       </p:graphicFrame>
-      <mc:AlternateContent xmlns:mc="http://schemas.openxmlformats.org/markup-compatibility/2006">
-        <mc:Choice xmlns:a14="http://schemas.microsoft.com/office/drawing/2010/main" Requires="a14">
+      <mc:AlternateContent xmlns:mc="http://schemas.openxmlformats.org/markup-compatibility/2006" xmlns:a14="http://schemas.microsoft.com/office/drawing/2010/main">
+        <mc:Choice Requires="a14">
           <p:sp>
             <p:nvSpPr>
               <p:cNvPr id="6" name="TextBox 5">
@@ -6569,7 +6569,7 @@
             </p:txBody>
           </p:sp>
         </mc:Choice>
-        <mc:Fallback>
+        <mc:Fallback xmlns="">
           <p:sp>
             <p:nvSpPr>
               <p:cNvPr id="6" name="TextBox 5">
@@ -6709,8 +6709,8 @@
           </a:p>
         </p:txBody>
       </p:sp>
-      <mc:AlternateContent xmlns:mc="http://schemas.openxmlformats.org/markup-compatibility/2006" xmlns:a14="http://schemas.microsoft.com/office/drawing/2010/main">
-        <mc:Choice Requires="a14">
+      <mc:AlternateContent xmlns:mc="http://schemas.openxmlformats.org/markup-compatibility/2006">
+        <mc:Choice xmlns:a14="http://schemas.microsoft.com/office/drawing/2010/main" Requires="a14">
           <p:sp>
             <p:nvSpPr>
               <p:cNvPr id="5" name="Content Placeholder 4">
@@ -6730,7 +6730,7 @@
             <p:spPr>
               <a:xfrm>
                 <a:off x="838200" y="1825625"/>
-                <a:ext cx="10515600" cy="1512209"/>
+                <a:ext cx="10515600" cy="1422890"/>
               </a:xfrm>
               <a:prstGeom prst="rect">
                 <a:avLst/>
@@ -6757,7 +6757,7 @@
                 </a:pPr>
                 <a:r>
                   <a:rPr lang="en-IN" dirty="0"/>
-                  <a:t>Output = ? </a:t>
+                  <a:t>Output = 1 when input is 0 and vice versa. </a:t>
                 </a:r>
                 <a14:m>
                   <m:oMath xmlns:m="http://schemas.openxmlformats.org/officeDocument/2006/math">
@@ -6796,7 +6796,7 @@
                       <a:rPr lang="en-IN" b="0" i="0" smtClean="0">
                         <a:latin typeface="Cambria Math" panose="02040503050406030204" pitchFamily="18" charset="0"/>
                       </a:rPr>
-                      <m:t>?</m:t>
+                      <m:t>1</m:t>
                     </m:r>
                   </m:oMath>
                 </a14:m>
@@ -6821,7 +6821,7 @@
                       <a:rPr lang="en-IN" b="0" i="0" smtClean="0">
                         <a:latin typeface="Cambria Math" panose="02040503050406030204" pitchFamily="18" charset="0"/>
                       </a:rPr>
-                      <m:t>?</m:t>
+                      <m:t>1</m:t>
                     </m:r>
                   </m:oMath>
                 </a14:m>
@@ -6830,7 +6830,7 @@
             </p:txBody>
           </p:sp>
         </mc:Choice>
-        <mc:Fallback xmlns="">
+        <mc:Fallback>
           <p:sp>
             <p:nvSpPr>
               <p:cNvPr id="5" name="Content Placeholder 4">
@@ -6850,7 +6850,7 @@
             <p:spPr>
               <a:xfrm>
                 <a:off x="838200" y="1825625"/>
-                <a:ext cx="10515600" cy="1512209"/>
+                <a:ext cx="10515600" cy="1422890"/>
               </a:xfrm>
               <a:prstGeom prst="rect">
                 <a:avLst/>
@@ -6858,7 +6858,7 @@
               <a:blipFill>
                 <a:blip r:embed="rId2"/>
                 <a:stretch>
-                  <a:fillRect l="-638"/>
+                  <a:fillRect l="-638" b="-5983"/>
                 </a:stretch>
               </a:blipFill>
             </p:spPr>
@@ -6892,7 +6892,7 @@
           <p:nvPr>
             <p:extLst>
               <p:ext uri="{D42A27DB-BD31-4B8C-83A1-F6EECF244321}">
-                <p14:modId xmlns:p14="http://schemas.microsoft.com/office/powerpoint/2010/main" val="4081082676"/>
+                <p14:modId xmlns:p14="http://schemas.microsoft.com/office/powerpoint/2010/main" val="5608316"/>
               </p:ext>
             </p:extLst>
           </p:nvPr>
@@ -7010,7 +7010,10 @@
                       <a:pPr>
                         <a:buNone/>
                       </a:pPr>
-                      <a:endParaRPr lang="en-IN" dirty="0"/>
+                      <a:r>
+                        <a:rPr lang="en-IN" dirty="0"/>
+                        <a:t>1</a:t>
+                      </a:r>
                     </a:p>
                   </a:txBody>
                   <a:tcPr anchor="ctr"/>
@@ -7023,7 +7026,10 @@
                       <a:pPr>
                         <a:buNone/>
                       </a:pPr>
-                      <a:endParaRPr lang="en-IN" dirty="0"/>
+                      <a:r>
+                        <a:rPr lang="en-IN" dirty="0"/>
+                        <a:t>0</a:t>
+                      </a:r>
                     </a:p>
                   </a:txBody>
                   <a:tcPr anchor="ctr"/>
@@ -7059,7 +7065,10 @@
                       <a:pPr>
                         <a:buNone/>
                       </a:pPr>
-                      <a:endParaRPr lang="en-IN" dirty="0"/>
+                      <a:r>
+                        <a:rPr lang="en-IN" dirty="0"/>
+                        <a:t>0</a:t>
+                      </a:r>
                     </a:p>
                   </a:txBody>
                   <a:tcPr anchor="ctr"/>
@@ -7072,7 +7081,10 @@
                       <a:pPr>
                         <a:buNone/>
                       </a:pPr>
-                      <a:endParaRPr lang="en-IN" dirty="0"/>
+                      <a:r>
+                        <a:rPr lang="en-IN" dirty="0"/>
+                        <a:t>1</a:t>
+                      </a:r>
                     </a:p>
                   </a:txBody>
                   <a:tcPr anchor="ctr"/>
